--- a/gilbert/images/cellwiseMatrixMatrixTransformation.pptx
+++ b/gilbert/images/cellwiseMatrixMatrixTransformation.pptx
@@ -289,7 +289,7 @@
             <a:fld id="{CD66EB5A-4F37-441C-A97C-356D4BF20A1B}" type="datetimeFigureOut">
               <a:rPr lang="de-DE" smtClean="0"/>
               <a:pPr/>
-              <a:t>09/06/14</a:t>
+              <a:t>11/08/14</a:t>
             </a:fld>
             <a:endParaRPr lang="de-DE"/>
           </a:p>
@@ -456,7 +456,7 @@
             <a:fld id="{CD66EB5A-4F37-441C-A97C-356D4BF20A1B}" type="datetimeFigureOut">
               <a:rPr lang="de-DE" smtClean="0"/>
               <a:pPr/>
-              <a:t>09/06/14</a:t>
+              <a:t>11/08/14</a:t>
             </a:fld>
             <a:endParaRPr lang="de-DE"/>
           </a:p>
@@ -633,7 +633,7 @@
             <a:fld id="{CD66EB5A-4F37-441C-A97C-356D4BF20A1B}" type="datetimeFigureOut">
               <a:rPr lang="de-DE" smtClean="0"/>
               <a:pPr/>
-              <a:t>09/06/14</a:t>
+              <a:t>11/08/14</a:t>
             </a:fld>
             <a:endParaRPr lang="de-DE"/>
           </a:p>
@@ -800,7 +800,7 @@
             <a:fld id="{CD66EB5A-4F37-441C-A97C-356D4BF20A1B}" type="datetimeFigureOut">
               <a:rPr lang="de-DE" smtClean="0"/>
               <a:pPr/>
-              <a:t>09/06/14</a:t>
+              <a:t>11/08/14</a:t>
             </a:fld>
             <a:endParaRPr lang="de-DE"/>
           </a:p>
@@ -1043,7 +1043,7 @@
             <a:fld id="{CD66EB5A-4F37-441C-A97C-356D4BF20A1B}" type="datetimeFigureOut">
               <a:rPr lang="de-DE" smtClean="0"/>
               <a:pPr/>
-              <a:t>09/06/14</a:t>
+              <a:t>11/08/14</a:t>
             </a:fld>
             <a:endParaRPr lang="de-DE"/>
           </a:p>
@@ -1328,7 +1328,7 @@
             <a:fld id="{CD66EB5A-4F37-441C-A97C-356D4BF20A1B}" type="datetimeFigureOut">
               <a:rPr lang="de-DE" smtClean="0"/>
               <a:pPr/>
-              <a:t>09/06/14</a:t>
+              <a:t>11/08/14</a:t>
             </a:fld>
             <a:endParaRPr lang="de-DE"/>
           </a:p>
@@ -1747,7 +1747,7 @@
             <a:fld id="{CD66EB5A-4F37-441C-A97C-356D4BF20A1B}" type="datetimeFigureOut">
               <a:rPr lang="de-DE" smtClean="0"/>
               <a:pPr/>
-              <a:t>09/06/14</a:t>
+              <a:t>11/08/14</a:t>
             </a:fld>
             <a:endParaRPr lang="de-DE"/>
           </a:p>
@@ -1862,7 +1862,7 @@
             <a:fld id="{CD66EB5A-4F37-441C-A97C-356D4BF20A1B}" type="datetimeFigureOut">
               <a:rPr lang="de-DE" smtClean="0"/>
               <a:pPr/>
-              <a:t>09/06/14</a:t>
+              <a:t>11/08/14</a:t>
             </a:fld>
             <a:endParaRPr lang="de-DE"/>
           </a:p>
@@ -1954,7 +1954,7 @@
             <a:fld id="{CD66EB5A-4F37-441C-A97C-356D4BF20A1B}" type="datetimeFigureOut">
               <a:rPr lang="de-DE" smtClean="0"/>
               <a:pPr/>
-              <a:t>09/06/14</a:t>
+              <a:t>11/08/14</a:t>
             </a:fld>
             <a:endParaRPr lang="de-DE"/>
           </a:p>
@@ -2228,7 +2228,7 @@
             <a:fld id="{CD66EB5A-4F37-441C-A97C-356D4BF20A1B}" type="datetimeFigureOut">
               <a:rPr lang="de-DE" smtClean="0"/>
               <a:pPr/>
-              <a:t>09/06/14</a:t>
+              <a:t>11/08/14</a:t>
             </a:fld>
             <a:endParaRPr lang="de-DE"/>
           </a:p>
@@ -2478,7 +2478,7 @@
             <a:fld id="{CD66EB5A-4F37-441C-A97C-356D4BF20A1B}" type="datetimeFigureOut">
               <a:rPr lang="de-DE" smtClean="0"/>
               <a:pPr/>
-              <a:t>09/06/14</a:t>
+              <a:t>11/08/14</a:t>
             </a:fld>
             <a:endParaRPr lang="de-DE"/>
           </a:p>
@@ -2688,7 +2688,7 @@
             <a:fld id="{CD66EB5A-4F37-441C-A97C-356D4BF20A1B}" type="datetimeFigureOut">
               <a:rPr lang="de-DE" smtClean="0"/>
               <a:pPr/>
-              <a:t>09/06/14</a:t>
+              <a:t>11/08/14</a:t>
             </a:fld>
             <a:endParaRPr lang="de-DE"/>
           </a:p>
@@ -3195,11 +3195,6 @@
               </a:rPr>
               <a:t> A</a:t>
             </a:r>
-            <a:endParaRPr lang="de-DE" sz="2200" b="1" dirty="0" smtClean="0">
-              <a:solidFill>
-                <a:schemeClr val="tx1"/>
-              </a:solidFill>
-            </a:endParaRPr>
           </a:p>
         </p:txBody>
       </p:sp>
@@ -3249,7 +3244,7 @@
           <p:nvPr>
             <p:extLst>
               <p:ext uri="{D42A27DB-BD31-4B8C-83A1-F6EECF244321}">
-                <p14:modId xmlns:p14="http://schemas.microsoft.com/office/powerpoint/2010/main" val="659403366"/>
+                <p14:modId xmlns:p14="http://schemas.microsoft.com/office/powerpoint/2010/main" val="2574822575"/>
               </p:ext>
             </p:extLst>
           </p:nvPr>
@@ -3262,7 +3257,7 @@
           <a:graphicData uri="http://schemas.openxmlformats.org/presentationml/2006/ole">
             <mc:AlternateContent xmlns:mc="http://schemas.openxmlformats.org/markup-compatibility/2006">
               <mc:Choice xmlns:v="urn:schemas-microsoft-com:vml" Requires="v">
-                <p:oleObj spid="_x0000_s1077" name="Equation" r:id="rId3" imgW="4076700" imgH="330200" progId="Equation.3">
+                <p:oleObj spid="_x0000_s1090" name="Equation" r:id="rId3" imgW="4076700" imgH="330200" progId="Equation.3">
                   <p:embed/>
                 </p:oleObj>
               </mc:Choice>
@@ -3306,7 +3301,7 @@
           <p:nvPr>
             <p:extLst>
               <p:ext uri="{D42A27DB-BD31-4B8C-83A1-F6EECF244321}">
-                <p14:modId xmlns:p14="http://schemas.microsoft.com/office/powerpoint/2010/main" val="3424591763"/>
+                <p14:modId xmlns:p14="http://schemas.microsoft.com/office/powerpoint/2010/main" val="2699986607"/>
               </p:ext>
             </p:extLst>
           </p:nvPr>
@@ -3319,7 +3314,7 @@
           <a:graphicData uri="http://schemas.openxmlformats.org/presentationml/2006/ole">
             <mc:AlternateContent xmlns:mc="http://schemas.openxmlformats.org/markup-compatibility/2006">
               <mc:Choice xmlns:v="urn:schemas-microsoft-com:vml" Requires="v">
-                <p:oleObj spid="_x0000_s1078" name="Equation" r:id="rId5" imgW="2120900" imgH="279400" progId="Equation.3">
+                <p:oleObj spid="_x0000_s1091" name="Equation" r:id="rId5" imgW="2120900" imgH="279400" progId="Equation.3">
                   <p:embed/>
                 </p:oleObj>
               </mc:Choice>
@@ -3422,11 +3417,6 @@
               </a:rPr>
               <a:t> B</a:t>
             </a:r>
-            <a:endParaRPr lang="de-DE" sz="2200" b="1" dirty="0" smtClean="0">
-              <a:solidFill>
-                <a:schemeClr val="tx1"/>
-              </a:solidFill>
-            </a:endParaRPr>
           </a:p>
         </p:txBody>
       </p:sp>
@@ -3476,7 +3466,7 @@
           <p:nvPr>
             <p:extLst>
               <p:ext uri="{D42A27DB-BD31-4B8C-83A1-F6EECF244321}">
-                <p14:modId xmlns:p14="http://schemas.microsoft.com/office/powerpoint/2010/main" val="3903407561"/>
+                <p14:modId xmlns:p14="http://schemas.microsoft.com/office/powerpoint/2010/main" val="259884550"/>
               </p:ext>
             </p:extLst>
           </p:nvPr>
@@ -3489,7 +3479,7 @@
           <a:graphicData uri="http://schemas.openxmlformats.org/presentationml/2006/ole">
             <mc:AlternateContent xmlns:mc="http://schemas.openxmlformats.org/markup-compatibility/2006">
               <mc:Choice xmlns:v="urn:schemas-microsoft-com:vml" Requires="v">
-                <p:oleObj spid="_x0000_s1079" name="Equation" r:id="rId7" imgW="2120900" imgH="279400" progId="Equation.3">
+                <p:oleObj spid="_x0000_s1092" name="Equation" r:id="rId7" imgW="2120900" imgH="279400" progId="Equation.3">
                   <p:embed/>
                 </p:oleObj>
               </mc:Choice>
@@ -3638,25 +3628,25 @@
           <p:nvPr>
             <p:extLst>
               <p:ext uri="{D42A27DB-BD31-4B8C-83A1-F6EECF244321}">
-                <p14:modId xmlns:p14="http://schemas.microsoft.com/office/powerpoint/2010/main" val="3371548470"/>
+                <p14:modId xmlns:p14="http://schemas.microsoft.com/office/powerpoint/2010/main" val="2005107854"/>
               </p:ext>
             </p:extLst>
           </p:nvPr>
         </p:nvGraphicFramePr>
         <p:xfrm>
-          <a:off x="3038475" y="1316038"/>
-          <a:ext cx="3111500" cy="381000"/>
+          <a:off x="2974975" y="1316038"/>
+          <a:ext cx="3238500" cy="381000"/>
         </p:xfrm>
         <a:graphic>
           <a:graphicData uri="http://schemas.openxmlformats.org/presentationml/2006/ole">
             <mc:AlternateContent xmlns:mc="http://schemas.openxmlformats.org/markup-compatibility/2006">
               <mc:Choice xmlns:v="urn:schemas-microsoft-com:vml" Requires="v">
-                <p:oleObj spid="_x0000_s1080" name="Equation" r:id="rId9" imgW="3111500" imgH="381000" progId="Equation.3">
+                <p:oleObj spid="_x0000_s1093" name="Equation" r:id="rId9" imgW="3238500" imgH="381000" progId="Equation.3">
                   <p:embed/>
                 </p:oleObj>
               </mc:Choice>
               <mc:Fallback>
-                <p:oleObj name="Equation" r:id="rId9" imgW="3111500" imgH="381000" progId="Equation.3">
+                <p:oleObj name="Equation" r:id="rId9" imgW="3238500" imgH="381000" progId="Equation.3">
                   <p:embed/>
                   <p:pic>
                     <p:nvPicPr>
@@ -3672,8 +3662,8 @@
                     </p:blipFill>
                     <p:spPr>
                       <a:xfrm>
-                        <a:off x="3038475" y="1316038"/>
-                        <a:ext cx="3111500" cy="381000"/>
+                        <a:off x="2974975" y="1316038"/>
+                        <a:ext cx="3238500" cy="381000"/>
                       </a:xfrm>
                       <a:prstGeom prst="rect">
                         <a:avLst/>
